--- a/VC_Seminar_Project_slides.pptx
+++ b/VC_Seminar_Project_slides.pptx
@@ -5,16 +5,19 @@
     <p:sldMasterId id="2147483648" r:id="rId1"/>
   </p:sldMasterIdLst>
   <p:notesMasterIdLst>
-    <p:notesMasterId r:id="rId9"/>
+    <p:notesMasterId r:id="rId12"/>
   </p:notesMasterIdLst>
   <p:sldIdLst>
     <p:sldId id="256" r:id="rId2"/>
     <p:sldId id="258" r:id="rId3"/>
-    <p:sldId id="259" r:id="rId4"/>
-    <p:sldId id="260" r:id="rId5"/>
-    <p:sldId id="261" r:id="rId6"/>
-    <p:sldId id="262" r:id="rId7"/>
-    <p:sldId id="263" r:id="rId8"/>
+    <p:sldId id="264" r:id="rId4"/>
+    <p:sldId id="259" r:id="rId5"/>
+    <p:sldId id="260" r:id="rId6"/>
+    <p:sldId id="261" r:id="rId7"/>
+    <p:sldId id="262" r:id="rId8"/>
+    <p:sldId id="263" r:id="rId9"/>
+    <p:sldId id="265" r:id="rId10"/>
+    <p:sldId id="266" r:id="rId11"/>
   </p:sldIdLst>
   <p:sldSz cx="9144000" cy="5149850"/>
   <p:notesSz cx="9144000" cy="5149850"/>
@@ -206,7 +209,7 @@
           <a:p>
             <a:fld id="{DCACED07-ADED-1945-A849-D40B2D3DE06D}" type="datetimeFigureOut">
               <a:rPr lang="de-DE" smtClean="0"/>
-              <a:t>06.08.24</a:t>
+              <a:t>14.08.24</a:t>
             </a:fld>
             <a:endParaRPr lang="de-DE"/>
           </a:p>
@@ -448,6 +451,90 @@
 </p:notesMaster>
 </file>
 
+<file path=ppt/notesSlides/notesSlide1.xml><?xml version="1.0" encoding="utf-8"?>
+<p:notes xmlns:a="http://schemas.openxmlformats.org/drawingml/2006/main" xmlns:r="http://schemas.openxmlformats.org/officeDocument/2006/relationships" xmlns:p="http://schemas.openxmlformats.org/presentationml/2006/main">
+  <p:cSld>
+    <p:spTree>
+      <p:nvGrpSpPr>
+        <p:cNvPr id="1" name=""/>
+        <p:cNvGrpSpPr/>
+        <p:nvPr/>
+      </p:nvGrpSpPr>
+      <p:grpSpPr>
+        <a:xfrm>
+          <a:off x="0" y="0"/>
+          <a:ext cx="0" cy="0"/>
+          <a:chOff x="0" y="0"/>
+          <a:chExt cx="0" cy="0"/>
+        </a:xfrm>
+      </p:grpSpPr>
+      <p:sp>
+        <p:nvSpPr>
+          <p:cNvPr id="2" name="Slide Image Placeholder 1"/>
+          <p:cNvSpPr>
+            <a:spLocks noGrp="1" noRot="1" noChangeAspect="1"/>
+          </p:cNvSpPr>
+          <p:nvPr>
+            <p:ph type="sldImg"/>
+          </p:nvPr>
+        </p:nvSpPr>
+        <p:spPr/>
+      </p:sp>
+      <p:sp>
+        <p:nvSpPr>
+          <p:cNvPr id="3" name="Notes Placeholder 2"/>
+          <p:cNvSpPr>
+            <a:spLocks noGrp="1"/>
+          </p:cNvSpPr>
+          <p:nvPr>
+            <p:ph type="body" idx="1"/>
+          </p:nvPr>
+        </p:nvSpPr>
+        <p:spPr/>
+        <p:txBody>
+          <a:bodyPr/>
+          <a:lstStyle/>
+          <a:p>
+            <a:endParaRPr lang="en-DE" dirty="0"/>
+          </a:p>
+        </p:txBody>
+      </p:sp>
+      <p:sp>
+        <p:nvSpPr>
+          <p:cNvPr id="4" name="Slide Number Placeholder 3"/>
+          <p:cNvSpPr>
+            <a:spLocks noGrp="1"/>
+          </p:cNvSpPr>
+          <p:nvPr>
+            <p:ph type="sldNum" sz="quarter" idx="5"/>
+          </p:nvPr>
+        </p:nvSpPr>
+        <p:spPr/>
+        <p:txBody>
+          <a:bodyPr/>
+          <a:lstStyle/>
+          <a:p>
+            <a:fld id="{64D6D48C-7649-2743-8828-B4927EA4F4D0}" type="slidenum">
+              <a:rPr lang="de-DE" smtClean="0"/>
+              <a:t>10</a:t>
+            </a:fld>
+            <a:endParaRPr lang="de-DE"/>
+          </a:p>
+        </p:txBody>
+      </p:sp>
+    </p:spTree>
+    <p:extLst>
+      <p:ext uri="{BB962C8B-B14F-4D97-AF65-F5344CB8AC3E}">
+        <p14:creationId xmlns:p14="http://schemas.microsoft.com/office/powerpoint/2010/main" val="3634014911"/>
+      </p:ext>
+    </p:extLst>
+  </p:cSld>
+  <p:clrMapOvr>
+    <a:masterClrMapping/>
+  </p:clrMapOvr>
+</p:notes>
+</file>
+
 <file path=ppt/slideLayouts/slideLayout1.xml><?xml version="1.0" encoding="utf-8"?>
 <p:sldLayout xmlns:a="http://schemas.openxmlformats.org/drawingml/2006/main" xmlns:r="http://schemas.openxmlformats.org/officeDocument/2006/relationships" xmlns:p="http://schemas.openxmlformats.org/presentationml/2006/main" preserve="1" userDrawn="1">
   <p:cSld name="Title">
@@ -506,12 +593,7 @@
             </a:lvl1pPr>
           </a:lstStyle>
           <a:p>
-            <a:fld id="{B6F15528-21DE-4FAA-801E-634DDDAF4B2B}" type="slidenum">
-              <a:rPr lang="en-US" noProof="0" smtClean="0"/>
-              <a:pPr/>
-              <a:t>‹#›</a:t>
-            </a:fld>
-            <a:endParaRPr lang="en-US" noProof="0"/>
+            <a:endParaRPr lang="en-US" noProof="0" dirty="0"/>
           </a:p>
         </p:txBody>
       </p:sp>
@@ -1228,51 +1310,7 @@
                 <a:ea typeface="+mn-ea"/>
                 <a:cs typeface="Arial"/>
               </a:rPr>
-              <a:t>&lt;</a:t>
-            </a:r>
-            <a:r>
-              <a:rPr lang="de-DE" sz="1000" b="0" i="0" kern="1200" spc="-15" dirty="0" err="1">
-                <a:solidFill>
-                  <a:srgbClr val="A7B6BF"/>
-                </a:solidFill>
-                <a:latin typeface="Arial"/>
-                <a:ea typeface="+mn-ea"/>
-                <a:cs typeface="Arial"/>
-              </a:rPr>
-              <a:t>Presentation</a:t>
-            </a:r>
-            <a:r>
-              <a:rPr lang="de-DE" sz="1000" b="0" i="0" kern="1200" spc="-15" dirty="0">
-                <a:solidFill>
-                  <a:srgbClr val="A7B6BF"/>
-                </a:solidFill>
-                <a:latin typeface="Arial"/>
-                <a:ea typeface="+mn-ea"/>
-                <a:cs typeface="Arial"/>
-              </a:rPr>
-              <a:t> Title&gt; - &lt;</a:t>
-            </a:r>
-            <a:r>
-              <a:rPr lang="de-DE" sz="1000" b="0" i="0" kern="1200" spc="-15" dirty="0" err="1">
-                <a:solidFill>
-                  <a:srgbClr val="A7B6BF"/>
-                </a:solidFill>
-                <a:latin typeface="Arial"/>
-                <a:ea typeface="+mn-ea"/>
-                <a:cs typeface="Arial"/>
-              </a:rPr>
-              <a:t>Your</a:t>
-            </a:r>
-            <a:r>
-              <a:rPr lang="de-DE" sz="1000" b="0" i="0" kern="1200" spc="-15" dirty="0">
-                <a:solidFill>
-                  <a:srgbClr val="A7B6BF"/>
-                </a:solidFill>
-                <a:latin typeface="Arial"/>
-                <a:ea typeface="+mn-ea"/>
-                <a:cs typeface="Arial"/>
-              </a:rPr>
-              <a:t> Name&gt;</a:t>
+              <a:t>VC Seminar Project</a:t>
             </a:r>
           </a:p>
         </p:txBody>
@@ -1737,6 +1775,129 @@
 </p:sld>
 </file>
 
+<file path=ppt/slides/slide10.xml><?xml version="1.0" encoding="utf-8"?>
+<p:sld xmlns:a="http://schemas.openxmlformats.org/drawingml/2006/main" xmlns:r="http://schemas.openxmlformats.org/officeDocument/2006/relationships" xmlns:p="http://schemas.openxmlformats.org/presentationml/2006/main">
+  <p:cSld>
+    <p:spTree>
+      <p:nvGrpSpPr>
+        <p:cNvPr id="1" name=""/>
+        <p:cNvGrpSpPr/>
+        <p:nvPr/>
+      </p:nvGrpSpPr>
+      <p:grpSpPr>
+        <a:xfrm>
+          <a:off x="0" y="0"/>
+          <a:ext cx="0" cy="0"/>
+          <a:chOff x="0" y="0"/>
+          <a:chExt cx="0" cy="0"/>
+        </a:xfrm>
+      </p:grpSpPr>
+      <p:sp>
+        <p:nvSpPr>
+          <p:cNvPr id="2" name="Title 1">
+            <a:extLst>
+              <a:ext uri="{FF2B5EF4-FFF2-40B4-BE49-F238E27FC236}">
+                <a16:creationId xmlns:a16="http://schemas.microsoft.com/office/drawing/2014/main" id="{605583FA-2EC2-3A8A-8FD2-CFE53878F7D2}"/>
+              </a:ext>
+            </a:extLst>
+          </p:cNvPr>
+          <p:cNvSpPr>
+            <a:spLocks noGrp="1"/>
+          </p:cNvSpPr>
+          <p:nvPr>
+            <p:ph type="title"/>
+          </p:nvPr>
+        </p:nvSpPr>
+        <p:spPr/>
+        <p:txBody>
+          <a:bodyPr/>
+          <a:lstStyle/>
+          <a:p>
+            <a:r>
+              <a:rPr lang="en-DE" dirty="0"/>
+              <a:t>Results using Lapped Transform</a:t>
+            </a:r>
+          </a:p>
+        </p:txBody>
+      </p:sp>
+      <p:sp>
+        <p:nvSpPr>
+          <p:cNvPr id="3" name="Slide Number Placeholder 2">
+            <a:extLst>
+              <a:ext uri="{FF2B5EF4-FFF2-40B4-BE49-F238E27FC236}">
+                <a16:creationId xmlns:a16="http://schemas.microsoft.com/office/drawing/2014/main" id="{2FE9AF82-CAA5-484D-06BF-7AE6075D206D}"/>
+              </a:ext>
+            </a:extLst>
+          </p:cNvPr>
+          <p:cNvSpPr>
+            <a:spLocks noGrp="1"/>
+          </p:cNvSpPr>
+          <p:nvPr>
+            <p:ph type="sldNum" sz="quarter" idx="11"/>
+          </p:nvPr>
+        </p:nvSpPr>
+        <p:spPr/>
+        <p:txBody>
+          <a:bodyPr/>
+          <a:lstStyle/>
+          <a:p>
+            <a:fld id="{B6F15528-21DE-4FAA-801E-634DDDAF4B2B}" type="slidenum">
+              <a:rPr lang="de-DE" smtClean="0"/>
+              <a:pPr/>
+              <a:t>10</a:t>
+            </a:fld>
+            <a:endParaRPr lang="de-DE" dirty="0"/>
+          </a:p>
+        </p:txBody>
+      </p:sp>
+      <p:pic>
+        <p:nvPicPr>
+          <p:cNvPr id="10" name="Content Placeholder 9" descr="A collage of several sailboats&#10;&#10;Description automatically generated">
+            <a:extLst>
+              <a:ext uri="{FF2B5EF4-FFF2-40B4-BE49-F238E27FC236}">
+                <a16:creationId xmlns:a16="http://schemas.microsoft.com/office/drawing/2014/main" id="{DFDFCB9E-B234-3439-BBDD-B8E04574D39B}"/>
+              </a:ext>
+            </a:extLst>
+          </p:cNvPr>
+          <p:cNvPicPr>
+            <a:picLocks noGrp="1" noChangeAspect="1"/>
+          </p:cNvPicPr>
+          <p:nvPr>
+            <p:ph sz="quarter" idx="12"/>
+          </p:nvPr>
+        </p:nvPicPr>
+        <p:blipFill>
+          <a:blip r:embed="rId3">
+            <a:extLst>
+              <a:ext uri="{28A0092B-C50C-407E-A947-70E740481C1C}">
+                <a14:useLocalDpi xmlns:a14="http://schemas.microsoft.com/office/drawing/2010/main" val="0"/>
+              </a:ext>
+            </a:extLst>
+          </a:blip>
+          <a:stretch>
+            <a:fillRect/>
+          </a:stretch>
+        </p:blipFill>
+        <p:spPr>
+          <a:xfrm>
+            <a:off x="1828800" y="705637"/>
+            <a:ext cx="5105400" cy="3578082"/>
+          </a:xfrm>
+        </p:spPr>
+      </p:pic>
+    </p:spTree>
+    <p:extLst>
+      <p:ext uri="{BB962C8B-B14F-4D97-AF65-F5344CB8AC3E}">
+        <p14:creationId xmlns:p14="http://schemas.microsoft.com/office/powerpoint/2010/main" val="2114779575"/>
+      </p:ext>
+    </p:extLst>
+  </p:cSld>
+  <p:clrMapOvr>
+    <a:masterClrMapping/>
+  </p:clrMapOvr>
+</p:sld>
+</file>
+
 <file path=ppt/slides/slide2.xml><?xml version="1.0" encoding="utf-8"?>
 <p:sld xmlns:a="http://schemas.openxmlformats.org/drawingml/2006/main" xmlns:r="http://schemas.openxmlformats.org/officeDocument/2006/relationships" xmlns:p="http://schemas.openxmlformats.org/presentationml/2006/main">
   <p:cSld>
@@ -2095,7 +2256,7 @@
           <p:cNvPr id="2" name="Title 1">
             <a:extLst>
               <a:ext uri="{FF2B5EF4-FFF2-40B4-BE49-F238E27FC236}">
-                <a16:creationId xmlns:a16="http://schemas.microsoft.com/office/drawing/2014/main" id="{A7B7B027-D13D-007F-FFD3-D5551810E6AF}"/>
+                <a16:creationId xmlns:a16="http://schemas.microsoft.com/office/drawing/2014/main" id="{B55EA368-79FB-25EB-8FC2-58911B6DF057}"/>
               </a:ext>
             </a:extLst>
           </p:cNvPr>
@@ -2112,12 +2273,8 @@
           <a:lstStyle/>
           <a:p>
             <a:r>
-              <a:rPr lang="en-GB" dirty="0"/>
-              <a:t>T</a:t>
-            </a:r>
-            <a:r>
               <a:rPr lang="en-DE" dirty="0"/>
-              <a:t>he CIFAR-10 Database</a:t>
+              <a:t>Discrete cosine Transform (DCT)</a:t>
             </a:r>
           </a:p>
         </p:txBody>
@@ -2127,7 +2284,7 @@
           <p:cNvPr id="3" name="Slide Number Placeholder 2">
             <a:extLst>
               <a:ext uri="{FF2B5EF4-FFF2-40B4-BE49-F238E27FC236}">
-                <a16:creationId xmlns:a16="http://schemas.microsoft.com/office/drawing/2014/main" id="{4DB5AAC1-DD71-3E4E-5AC8-0CDB65C3CBB0}"/>
+                <a16:creationId xmlns:a16="http://schemas.microsoft.com/office/drawing/2014/main" id="{C1850016-E09E-597D-7AA9-A058E95C1612}"/>
               </a:ext>
             </a:extLst>
           </p:cNvPr>
@@ -2157,7 +2314,7 @@
           <p:cNvPr id="4" name="Content Placeholder 3">
             <a:extLst>
               <a:ext uri="{FF2B5EF4-FFF2-40B4-BE49-F238E27FC236}">
-                <a16:creationId xmlns:a16="http://schemas.microsoft.com/office/drawing/2014/main" id="{803AE84A-8C7F-180B-78EA-0337E667B010}"/>
+                <a16:creationId xmlns:a16="http://schemas.microsoft.com/office/drawing/2014/main" id="{C883FBAD-A5CE-CFB0-7052-8647E650C7A0}"/>
               </a:ext>
             </a:extLst>
           </p:cNvPr>
@@ -2175,7 +2332,7 @@
           <a:p>
             <a:r>
               <a:rPr lang="en-GB" dirty="0"/>
-              <a:t>Brief overview of CIFAR-10: </a:t>
+              <a:t>Technique used in image and signal processing </a:t>
             </a:r>
           </a:p>
           <a:p>
@@ -2185,15 +2342,7 @@
             </a:pPr>
             <a:r>
               <a:rPr lang="en-GB" dirty="0"/>
-              <a:t>60,000 32x32 </a:t>
-            </a:r>
-            <a:r>
-              <a:rPr lang="en-GB" dirty="0" err="1"/>
-              <a:t>color</a:t>
-            </a:r>
-            <a:r>
-              <a:rPr lang="en-GB" dirty="0"/>
-              <a:t> images in 10 classes</a:t>
+              <a:t>to represent an image as a sum of cosine functions</a:t>
             </a:r>
           </a:p>
           <a:p>
@@ -2202,13 +2351,29 @@
               <a:buChar char="-"/>
             </a:pPr>
             <a:r>
-              <a:rPr lang="en-GB" i="0" u="none" strike="noStrike" dirty="0">
-                <a:effectLst/>
-                <a:highlight>
-                  <a:srgbClr val="FFFFFF"/>
-                </a:highlight>
-              </a:rPr>
-              <a:t>airplanes, cars, birds, cats, deer, dogs, frogs, horses, ships, and trucks</a:t>
+              <a:rPr lang="en-GB" dirty="0"/>
+              <a:t>It is particularly known for its application in JPEG image compression</a:t>
+            </a:r>
+          </a:p>
+          <a:p>
+            <a:pPr marL="0" indent="0">
+              <a:buNone/>
+            </a:pPr>
+            <a:endParaRPr lang="en-GB" dirty="0"/>
+          </a:p>
+          <a:p>
+            <a:r>
+              <a:rPr lang="en-GB" dirty="0"/>
+              <a:t>Converts image data from spatial to frequency domain</a:t>
+            </a:r>
+          </a:p>
+          <a:p>
+            <a:endParaRPr lang="en-GB" dirty="0"/>
+          </a:p>
+          <a:p>
+            <a:r>
+              <a:rPr lang="en-GB" dirty="0"/>
+              <a:t>Further compresses quantized data</a:t>
             </a:r>
           </a:p>
           <a:p>
@@ -2217,61 +2382,16 @@
               <a:buChar char="-"/>
             </a:pPr>
             <a:r>
-              <a:rPr lang="en-GB" i="0" u="none" strike="noStrike" dirty="0">
-                <a:effectLst/>
-                <a:highlight>
-                  <a:srgbClr val="FFFFFF"/>
-                </a:highlight>
-              </a:rPr>
-              <a:t>6,000 images of each class</a:t>
-            </a:r>
-            <a:endParaRPr lang="en-GB" dirty="0"/>
-          </a:p>
-          <a:p>
-            <a:endParaRPr lang="en-GB" dirty="0"/>
-          </a:p>
-          <a:p>
-            <a:r>
               <a:rPr lang="en-GB" dirty="0"/>
-              <a:t>Usage </a:t>
-            </a:r>
-          </a:p>
-          <a:p>
-            <a:pPr lvl="2">
-              <a:buFont typeface="System Font Regular"/>
-              <a:buChar char="-"/>
-            </a:pPr>
-            <a:r>
-              <a:rPr lang="en-GB" dirty="0"/>
-              <a:t>Commonly used for training machine learning and computer vision algorithms.</a:t>
-            </a:r>
-          </a:p>
-          <a:p>
-            <a:endParaRPr lang="en-GB" dirty="0"/>
-          </a:p>
-          <a:p>
-            <a:r>
-              <a:rPr lang="en-GB" dirty="0"/>
-              <a:t>Loading the dataset</a:t>
-            </a:r>
-          </a:p>
-          <a:p>
-            <a:pPr lvl="2">
-              <a:buFont typeface="System Font Regular"/>
-              <a:buChar char="-"/>
-            </a:pPr>
-            <a:r>
-              <a:rPr lang="en-GB" dirty="0"/>
-              <a:t>Utilizing ’torchvision.datasets.CIFAR10’</a:t>
-            </a:r>
-            <a:endParaRPr lang="en-DE" dirty="0"/>
+              <a:t>Reducing file size while maintaining visual quality</a:t>
+            </a:r>
           </a:p>
         </p:txBody>
       </p:sp>
     </p:spTree>
     <p:extLst>
       <p:ext uri="{BB962C8B-B14F-4D97-AF65-F5344CB8AC3E}">
-        <p14:creationId xmlns:p14="http://schemas.microsoft.com/office/powerpoint/2010/main" val="1892736209"/>
+        <p14:creationId xmlns:p14="http://schemas.microsoft.com/office/powerpoint/2010/main" val="2951372478"/>
       </p:ext>
     </p:extLst>
   </p:cSld>
@@ -2303,7 +2423,7 @@
           <p:cNvPr id="2" name="Title 1">
             <a:extLst>
               <a:ext uri="{FF2B5EF4-FFF2-40B4-BE49-F238E27FC236}">
-                <a16:creationId xmlns:a16="http://schemas.microsoft.com/office/drawing/2014/main" id="{74EB0766-E8F7-F93F-ADE5-BB54659BBB0C}"/>
+                <a16:creationId xmlns:a16="http://schemas.microsoft.com/office/drawing/2014/main" id="{A7B7B027-D13D-007F-FFD3-D5551810E6AF}"/>
               </a:ext>
             </a:extLst>
           </p:cNvPr>
@@ -2320,8 +2440,12 @@
           <a:lstStyle/>
           <a:p>
             <a:r>
+              <a:rPr lang="en-GB" dirty="0"/>
+              <a:t>T</a:t>
+            </a:r>
+            <a:r>
               <a:rPr lang="en-DE" dirty="0"/>
-              <a:t>CNN Model Architecture</a:t>
+              <a:t>he CIFAR-10 Database</a:t>
             </a:r>
           </a:p>
         </p:txBody>
@@ -2331,7 +2455,7 @@
           <p:cNvPr id="3" name="Slide Number Placeholder 2">
             <a:extLst>
               <a:ext uri="{FF2B5EF4-FFF2-40B4-BE49-F238E27FC236}">
-                <a16:creationId xmlns:a16="http://schemas.microsoft.com/office/drawing/2014/main" id="{18B5EB04-2AFF-B8FC-74AA-DC88A040FEC8}"/>
+                <a16:creationId xmlns:a16="http://schemas.microsoft.com/office/drawing/2014/main" id="{4DB5AAC1-DD71-3E4E-5AC8-0CDB65C3CBB0}"/>
               </a:ext>
             </a:extLst>
           </p:cNvPr>
@@ -2361,7 +2485,7 @@
           <p:cNvPr id="4" name="Content Placeholder 3">
             <a:extLst>
               <a:ext uri="{FF2B5EF4-FFF2-40B4-BE49-F238E27FC236}">
-                <a16:creationId xmlns:a16="http://schemas.microsoft.com/office/drawing/2014/main" id="{7FA61A6C-3CFE-8896-61E8-8E4B9575FFF1}"/>
+                <a16:creationId xmlns:a16="http://schemas.microsoft.com/office/drawing/2014/main" id="{803AE84A-8C7F-180B-78EA-0337E667B010}"/>
               </a:ext>
             </a:extLst>
           </p:cNvPr>
@@ -2379,7 +2503,7 @@
           <a:p>
             <a:r>
               <a:rPr lang="en-GB" dirty="0"/>
-              <a:t>Model</a:t>
+              <a:t>Brief overview of CIFAR-10: </a:t>
             </a:r>
           </a:p>
           <a:p>
@@ -2388,22 +2512,31 @@
               <a:buChar char="-"/>
             </a:pPr>
             <a:r>
+              <a:rPr lang="en-GB" dirty="0"/>
+              <a:t>60,000 32x32 </a:t>
+            </a:r>
+            <a:r>
               <a:rPr lang="en-GB" dirty="0" err="1"/>
-              <a:t>LappedTransformCNN</a:t>
-            </a:r>
-            <a:endParaRPr lang="en-GB" dirty="0"/>
+              <a:t>color</a:t>
+            </a:r>
+            <a:r>
+              <a:rPr lang="en-GB" dirty="0"/>
+              <a:t> images in 10 classes</a:t>
+            </a:r>
           </a:p>
           <a:p>
             <a:pPr lvl="2">
               <a:buFont typeface="System Font Regular"/>
               <a:buChar char="-"/>
             </a:pPr>
-            <a:endParaRPr lang="en-GB" b="1" dirty="0"/>
-          </a:p>
-          <a:p>
-            <a:r>
-              <a:rPr lang="en-GB" b="1" dirty="0"/>
-              <a:t>conv1</a:t>
+            <a:r>
+              <a:rPr lang="en-GB" i="0" u="none" strike="noStrike" dirty="0">
+                <a:effectLst/>
+                <a:highlight>
+                  <a:srgbClr val="FFFFFF"/>
+                </a:highlight>
+              </a:rPr>
+              <a:t>airplanes, cars, birds, cats, deer, dogs, frogs, horses, ships, and trucks</a:t>
             </a:r>
           </a:p>
           <a:p>
@@ -2412,8 +2545,23 @@
               <a:buChar char="-"/>
             </a:pPr>
             <a:r>
+              <a:rPr lang="en-GB" i="0" u="none" strike="noStrike" dirty="0">
+                <a:effectLst/>
+                <a:highlight>
+                  <a:srgbClr val="FFFFFF"/>
+                </a:highlight>
+              </a:rPr>
+              <a:t>6,000 images of each class</a:t>
+            </a:r>
+            <a:endParaRPr lang="en-GB" dirty="0"/>
+          </a:p>
+          <a:p>
+            <a:endParaRPr lang="en-GB" dirty="0"/>
+          </a:p>
+          <a:p>
+            <a:r>
               <a:rPr lang="en-GB" dirty="0"/>
-              <a:t>Convolution layer with 24 filters, kernel size of 8, and stride of 8</a:t>
+              <a:t>Usage </a:t>
             </a:r>
           </a:p>
           <a:p>
@@ -2421,12 +2569,18 @@
               <a:buFont typeface="System Font Regular"/>
               <a:buChar char="-"/>
             </a:pPr>
+            <a:r>
+              <a:rPr lang="en-GB" dirty="0"/>
+              <a:t>Commonly used for training machine learning and computer vision algorithms.</a:t>
+            </a:r>
+          </a:p>
+          <a:p>
             <a:endParaRPr lang="en-GB" dirty="0"/>
           </a:p>
           <a:p>
             <a:r>
-              <a:rPr lang="en-GB" b="1" dirty="0"/>
-              <a:t>Conv2</a:t>
+              <a:rPr lang="en-GB" dirty="0"/>
+              <a:t>Loading the dataset</a:t>
             </a:r>
           </a:p>
           <a:p>
@@ -2436,29 +2590,7 @@
             </a:pPr>
             <a:r>
               <a:rPr lang="en-GB" dirty="0"/>
-              <a:t>Transpose convolution layer to reconstruct the image</a:t>
-            </a:r>
-          </a:p>
-          <a:p>
-            <a:pPr marL="273050" lvl="2" indent="0">
-              <a:buNone/>
-            </a:pPr>
-            <a:endParaRPr lang="en-GB" dirty="0"/>
-          </a:p>
-          <a:p>
-            <a:r>
-              <a:rPr lang="en-GB" dirty="0"/>
-              <a:t>Purpose: </a:t>
-            </a:r>
-          </a:p>
-          <a:p>
-            <a:pPr lvl="2">
-              <a:buFont typeface="System Font Regular"/>
-              <a:buChar char="-"/>
-            </a:pPr>
-            <a:r>
-              <a:rPr lang="en-GB" dirty="0"/>
-              <a:t>Encode and decode images for compression and decompression</a:t>
+              <a:t>Utilizing ’torchvision.datasets.CIFAR10’</a:t>
             </a:r>
             <a:endParaRPr lang="en-DE" dirty="0"/>
           </a:p>
@@ -2467,7 +2599,7 @@
     </p:spTree>
     <p:extLst>
       <p:ext uri="{BB962C8B-B14F-4D97-AF65-F5344CB8AC3E}">
-        <p14:creationId xmlns:p14="http://schemas.microsoft.com/office/powerpoint/2010/main" val="3388558722"/>
+        <p14:creationId xmlns:p14="http://schemas.microsoft.com/office/powerpoint/2010/main" val="1892736209"/>
       </p:ext>
     </p:extLst>
   </p:cSld>
@@ -2499,7 +2631,7 @@
           <p:cNvPr id="2" name="Title 1">
             <a:extLst>
               <a:ext uri="{FF2B5EF4-FFF2-40B4-BE49-F238E27FC236}">
-                <a16:creationId xmlns:a16="http://schemas.microsoft.com/office/drawing/2014/main" id="{D556BE56-29E1-20C1-FDE1-391F8EB55799}"/>
+                <a16:creationId xmlns:a16="http://schemas.microsoft.com/office/drawing/2014/main" id="{74EB0766-E8F7-F93F-ADE5-BB54659BBB0C}"/>
               </a:ext>
             </a:extLst>
           </p:cNvPr>
@@ -2517,7 +2649,7 @@
           <a:p>
             <a:r>
               <a:rPr lang="en-DE" dirty="0"/>
-              <a:t>Training of Model</a:t>
+              <a:t>CNN Model Architecture</a:t>
             </a:r>
           </a:p>
         </p:txBody>
@@ -2527,7 +2659,7 @@
           <p:cNvPr id="3" name="Slide Number Placeholder 2">
             <a:extLst>
               <a:ext uri="{FF2B5EF4-FFF2-40B4-BE49-F238E27FC236}">
-                <a16:creationId xmlns:a16="http://schemas.microsoft.com/office/drawing/2014/main" id="{2C2550D6-C91E-D95D-BB65-EDD53A132ED6}"/>
+                <a16:creationId xmlns:a16="http://schemas.microsoft.com/office/drawing/2014/main" id="{18B5EB04-2AFF-B8FC-74AA-DC88A040FEC8}"/>
               </a:ext>
             </a:extLst>
           </p:cNvPr>
@@ -2557,7 +2689,7 @@
           <p:cNvPr id="4" name="Content Placeholder 3">
             <a:extLst>
               <a:ext uri="{FF2B5EF4-FFF2-40B4-BE49-F238E27FC236}">
-                <a16:creationId xmlns:a16="http://schemas.microsoft.com/office/drawing/2014/main" id="{03F8A247-0B2E-4EFC-373F-FB29041865D4}"/>
+                <a16:creationId xmlns:a16="http://schemas.microsoft.com/office/drawing/2014/main" id="{7FA61A6C-3CFE-8896-61E8-8E4B9575FFF1}"/>
               </a:ext>
             </a:extLst>
           </p:cNvPr>
@@ -2573,123 +2705,89 @@
           <a:bodyPr/>
           <a:lstStyle/>
           <a:p>
-            <a:pPr algn="l"/>
-            <a:r>
-              <a:rPr lang="en-GB" b="0" i="0" u="none" strike="noStrike" dirty="0">
-                <a:solidFill>
-                  <a:srgbClr val="000000"/>
-                </a:solidFill>
-                <a:effectLst/>
-              </a:rPr>
-              <a:t>Loss Function: </a:t>
-            </a:r>
-          </a:p>
-          <a:p>
-            <a:pPr lvl="2" algn="l">
+            <a:r>
+              <a:rPr lang="en-GB" dirty="0"/>
+              <a:t>Model</a:t>
+            </a:r>
+          </a:p>
+          <a:p>
+            <a:pPr lvl="2">
               <a:buFont typeface="System Font Regular"/>
               <a:buChar char="-"/>
             </a:pPr>
             <a:r>
-              <a:rPr lang="en-GB" b="0" i="0" u="none" strike="noStrike" dirty="0">
-                <a:solidFill>
-                  <a:srgbClr val="000000"/>
-                </a:solidFill>
-                <a:effectLst/>
-              </a:rPr>
-              <a:t>Mean Squared Error (MSE).</a:t>
-            </a:r>
-          </a:p>
-          <a:p>
-            <a:pPr algn="l"/>
-            <a:endParaRPr lang="en-GB" b="0" i="0" u="none" strike="noStrike" dirty="0">
-              <a:solidFill>
-                <a:srgbClr val="000000"/>
-              </a:solidFill>
-              <a:effectLst/>
-            </a:endParaRPr>
-          </a:p>
-          <a:p>
-            <a:pPr algn="l"/>
-            <a:r>
-              <a:rPr lang="en-GB" b="0" i="0" u="none" strike="noStrike" dirty="0">
-                <a:solidFill>
-                  <a:srgbClr val="000000"/>
-                </a:solidFill>
-                <a:effectLst/>
-              </a:rPr>
-              <a:t>Optimizer: </a:t>
-            </a:r>
-          </a:p>
-          <a:p>
-            <a:pPr lvl="2" algn="l">
+              <a:rPr lang="en-GB" dirty="0" err="1"/>
+              <a:t>LappedTransformCNN</a:t>
+            </a:r>
+            <a:endParaRPr lang="en-GB" dirty="0"/>
+          </a:p>
+          <a:p>
+            <a:pPr lvl="2">
               <a:buFont typeface="System Font Regular"/>
               <a:buChar char="-"/>
             </a:pPr>
-            <a:r>
-              <a:rPr lang="en-GB" b="0" i="0" u="none" strike="noStrike" dirty="0">
-                <a:solidFill>
-                  <a:srgbClr val="000000"/>
-                </a:solidFill>
-                <a:effectLst/>
-              </a:rPr>
-              <a:t>Adam optimizer with a learning rate of 0.001</a:t>
-            </a:r>
-          </a:p>
-          <a:p>
-            <a:pPr lvl="2" algn="l">
+            <a:endParaRPr lang="en-GB" b="1" dirty="0"/>
+          </a:p>
+          <a:p>
+            <a:r>
+              <a:rPr lang="en-GB" b="1" dirty="0"/>
+              <a:t>conv1</a:t>
+            </a:r>
+          </a:p>
+          <a:p>
+            <a:pPr lvl="2">
               <a:buFont typeface="System Font Regular"/>
               <a:buChar char="-"/>
             </a:pPr>
-            <a:endParaRPr lang="en-GB" b="0" i="0" u="none" strike="noStrike" dirty="0">
-              <a:solidFill>
-                <a:srgbClr val="000000"/>
-              </a:solidFill>
-              <a:effectLst/>
-            </a:endParaRPr>
-          </a:p>
-          <a:p>
-            <a:pPr algn="l"/>
-            <a:r>
-              <a:rPr lang="en-GB" b="0" i="0" u="none" strike="noStrike" dirty="0">
-                <a:solidFill>
-                  <a:srgbClr val="000000"/>
-                </a:solidFill>
-                <a:effectLst/>
-              </a:rPr>
-              <a:t>Training Process:</a:t>
-            </a:r>
-          </a:p>
-          <a:p>
-            <a:pPr lvl="2" algn="l">
+            <a:r>
+              <a:rPr lang="en-GB" dirty="0"/>
+              <a:t>Convolution layer with 24 filters, kernel size of 16, and stride of 8</a:t>
+            </a:r>
+          </a:p>
+          <a:p>
+            <a:pPr lvl="2">
               <a:buFont typeface="System Font Regular"/>
               <a:buChar char="-"/>
             </a:pPr>
-            <a:r>
-              <a:rPr lang="en-GB" b="0" i="0" u="none" strike="noStrike" dirty="0">
-                <a:solidFill>
-                  <a:srgbClr val="000000"/>
-                </a:solidFill>
-                <a:effectLst/>
-              </a:rPr>
-              <a:t>10 epochs</a:t>
-            </a:r>
-          </a:p>
-          <a:p>
-            <a:pPr lvl="2" algn="l">
+            <a:endParaRPr lang="en-GB" dirty="0"/>
+          </a:p>
+          <a:p>
+            <a:r>
+              <a:rPr lang="en-GB" b="1" dirty="0"/>
+              <a:t>Conv2</a:t>
+            </a:r>
+          </a:p>
+          <a:p>
+            <a:pPr lvl="2">
               <a:buFont typeface="System Font Regular"/>
               <a:buChar char="-"/>
             </a:pPr>
             <a:r>
-              <a:rPr lang="en-GB" b="0" i="0" u="none" strike="noStrike" dirty="0">
-                <a:solidFill>
-                  <a:srgbClr val="000000"/>
-                </a:solidFill>
-                <a:effectLst/>
-              </a:rPr>
-              <a:t>Running loss calculated and displayed every 100 batches</a:t>
-            </a:r>
-          </a:p>
-          <a:p>
+              <a:rPr lang="en-GB" dirty="0"/>
+              <a:t>Transpose convolution layer to reconstruct the image</a:t>
+            </a:r>
+          </a:p>
+          <a:p>
+            <a:pPr marL="273050" lvl="2" indent="0">
+              <a:buNone/>
+            </a:pPr>
+            <a:endParaRPr lang="en-GB" dirty="0"/>
+          </a:p>
+          <a:p>
+            <a:r>
+              <a:rPr lang="en-GB" dirty="0"/>
+              <a:t>Purpose: </a:t>
+            </a:r>
+          </a:p>
+          <a:p>
+            <a:pPr lvl="2">
+              <a:buFont typeface="System Font Regular"/>
+              <a:buChar char="-"/>
+            </a:pPr>
+            <a:r>
+              <a:rPr lang="en-GB" dirty="0"/>
+              <a:t>Encode and decode images for compression and decompression</a:t>
+            </a:r>
             <a:endParaRPr lang="en-DE" dirty="0"/>
           </a:p>
         </p:txBody>
@@ -2697,7 +2795,7 @@
     </p:spTree>
     <p:extLst>
       <p:ext uri="{BB962C8B-B14F-4D97-AF65-F5344CB8AC3E}">
-        <p14:creationId xmlns:p14="http://schemas.microsoft.com/office/powerpoint/2010/main" val="2187925442"/>
+        <p14:creationId xmlns:p14="http://schemas.microsoft.com/office/powerpoint/2010/main" val="3388558722"/>
       </p:ext>
     </p:extLst>
   </p:cSld>
@@ -2729,7 +2827,7 @@
           <p:cNvPr id="2" name="Title 1">
             <a:extLst>
               <a:ext uri="{FF2B5EF4-FFF2-40B4-BE49-F238E27FC236}">
-                <a16:creationId xmlns:a16="http://schemas.microsoft.com/office/drawing/2014/main" id="{5F1DE92F-D028-E4C1-D628-8BAC8543342C}"/>
+                <a16:creationId xmlns:a16="http://schemas.microsoft.com/office/drawing/2014/main" id="{D556BE56-29E1-20C1-FDE1-391F8EB55799}"/>
               </a:ext>
             </a:extLst>
           </p:cNvPr>
@@ -2747,7 +2845,7 @@
           <a:p>
             <a:r>
               <a:rPr lang="en-DE" dirty="0"/>
-              <a:t>Image Compression and Decompression</a:t>
+              <a:t>Training of Model</a:t>
             </a:r>
           </a:p>
         </p:txBody>
@@ -2757,7 +2855,7 @@
           <p:cNvPr id="3" name="Slide Number Placeholder 2">
             <a:extLst>
               <a:ext uri="{FF2B5EF4-FFF2-40B4-BE49-F238E27FC236}">
-                <a16:creationId xmlns:a16="http://schemas.microsoft.com/office/drawing/2014/main" id="{9B9891AD-36EC-F19C-99FA-F4C8D50F32B6}"/>
+                <a16:creationId xmlns:a16="http://schemas.microsoft.com/office/drawing/2014/main" id="{2C2550D6-C91E-D95D-BB65-EDD53A132ED6}"/>
               </a:ext>
             </a:extLst>
           </p:cNvPr>
@@ -2787,7 +2885,7 @@
           <p:cNvPr id="4" name="Content Placeholder 3">
             <a:extLst>
               <a:ext uri="{FF2B5EF4-FFF2-40B4-BE49-F238E27FC236}">
-                <a16:creationId xmlns:a16="http://schemas.microsoft.com/office/drawing/2014/main" id="{D5C98296-0CFB-6B19-AC6A-C71B2BC3D99C}"/>
+                <a16:creationId xmlns:a16="http://schemas.microsoft.com/office/drawing/2014/main" id="{03F8A247-0B2E-4EFC-373F-FB29041865D4}"/>
               </a:ext>
             </a:extLst>
           </p:cNvPr>
@@ -2803,72 +2901,120 @@
           <a:bodyPr/>
           <a:lstStyle/>
           <a:p>
-            <a:r>
-              <a:rPr lang="en-GB" b="1" dirty="0"/>
-              <a:t>Compression:</a:t>
-            </a:r>
-          </a:p>
-          <a:p>
-            <a:pPr lvl="2">
+            <a:pPr algn="l"/>
+            <a:r>
+              <a:rPr lang="en-GB" b="0" i="0" u="none" strike="noStrike" dirty="0">
+                <a:solidFill>
+                  <a:srgbClr val="000000"/>
+                </a:solidFill>
+                <a:effectLst/>
+              </a:rPr>
+              <a:t>Loss Function: </a:t>
+            </a:r>
+          </a:p>
+          <a:p>
+            <a:pPr lvl="2" algn="l">
               <a:buFont typeface="System Font Regular"/>
               <a:buChar char="-"/>
             </a:pPr>
             <a:r>
-              <a:rPr lang="en-GB" dirty="0"/>
-              <a:t>Transform the image using the convolutional layer</a:t>
-            </a:r>
-          </a:p>
-          <a:p>
-            <a:pPr lvl="2">
+              <a:rPr lang="en-GB" b="0" i="0" u="none" strike="noStrike" dirty="0">
+                <a:solidFill>
+                  <a:srgbClr val="000000"/>
+                </a:solidFill>
+                <a:effectLst/>
+              </a:rPr>
+              <a:t>Mean Squared Error (MSE).</a:t>
+            </a:r>
+          </a:p>
+          <a:p>
+            <a:pPr algn="l"/>
+            <a:endParaRPr lang="en-GB" b="0" i="0" u="none" strike="noStrike" dirty="0">
+              <a:solidFill>
+                <a:srgbClr val="000000"/>
+              </a:solidFill>
+              <a:effectLst/>
+            </a:endParaRPr>
+          </a:p>
+          <a:p>
+            <a:pPr algn="l"/>
+            <a:r>
+              <a:rPr lang="en-GB" b="0" i="0" u="none" strike="noStrike" dirty="0">
+                <a:solidFill>
+                  <a:srgbClr val="000000"/>
+                </a:solidFill>
+                <a:effectLst/>
+              </a:rPr>
+              <a:t>Optimizer: </a:t>
+            </a:r>
+          </a:p>
+          <a:p>
+            <a:pPr lvl="2" algn="l">
               <a:buFont typeface="System Font Regular"/>
               <a:buChar char="-"/>
             </a:pPr>
             <a:r>
-              <a:rPr lang="en-GB" dirty="0"/>
-              <a:t>Quantize the transformed image</a:t>
-            </a:r>
-          </a:p>
-          <a:p>
-            <a:pPr lvl="2">
+              <a:rPr lang="en-GB" b="0" i="0" u="none" strike="noStrike" dirty="0">
+                <a:solidFill>
+                  <a:srgbClr val="000000"/>
+                </a:solidFill>
+                <a:effectLst/>
+              </a:rPr>
+              <a:t>Adam optimizer with a learning rate of 0.001</a:t>
+            </a:r>
+          </a:p>
+          <a:p>
+            <a:pPr lvl="2" algn="l">
               <a:buFont typeface="System Font Regular"/>
               <a:buChar char="-"/>
             </a:pPr>
-            <a:r>
-              <a:rPr lang="en-GB" dirty="0"/>
-              <a:t>Convert to byte stream for storage</a:t>
-            </a:r>
-          </a:p>
-          <a:p>
-            <a:pPr lvl="2">
+            <a:endParaRPr lang="en-GB" b="0" i="0" u="none" strike="noStrike" dirty="0">
+              <a:solidFill>
+                <a:srgbClr val="000000"/>
+              </a:solidFill>
+              <a:effectLst/>
+            </a:endParaRPr>
+          </a:p>
+          <a:p>
+            <a:pPr algn="l"/>
+            <a:r>
+              <a:rPr lang="en-GB" b="0" i="0" u="none" strike="noStrike" dirty="0">
+                <a:solidFill>
+                  <a:srgbClr val="000000"/>
+                </a:solidFill>
+                <a:effectLst/>
+              </a:rPr>
+              <a:t>Training Process:</a:t>
+            </a:r>
+          </a:p>
+          <a:p>
+            <a:pPr lvl="2" algn="l">
               <a:buFont typeface="System Font Regular"/>
               <a:buChar char="-"/>
             </a:pPr>
-            <a:endParaRPr lang="en-GB" dirty="0"/>
-          </a:p>
-          <a:p>
-            <a:r>
-              <a:rPr lang="en-GB" b="1" dirty="0"/>
-              <a:t>Decompression:</a:t>
-            </a:r>
-          </a:p>
-          <a:p>
-            <a:pPr lvl="2">
+            <a:r>
+              <a:rPr lang="en-GB" b="0" i="0" u="none" strike="noStrike" dirty="0">
+                <a:solidFill>
+                  <a:srgbClr val="000000"/>
+                </a:solidFill>
+                <a:effectLst/>
+              </a:rPr>
+              <a:t>10 epochs</a:t>
+            </a:r>
+          </a:p>
+          <a:p>
+            <a:pPr lvl="2" algn="l">
               <a:buFont typeface="System Font Regular"/>
               <a:buChar char="-"/>
             </a:pPr>
             <a:r>
-              <a:rPr lang="en-GB" dirty="0"/>
-              <a:t>Reconstruct quantized image</a:t>
-            </a:r>
-          </a:p>
-          <a:p>
-            <a:pPr lvl="2">
-              <a:buFont typeface="System Font Regular"/>
-              <a:buChar char="-"/>
-            </a:pPr>
-            <a:r>
-              <a:rPr lang="en-GB" dirty="0"/>
-              <a:t>Dequantize and use transpose convolution to recover the original image</a:t>
+              <a:rPr lang="en-GB" b="0" i="0" u="none" strike="noStrike" dirty="0">
+                <a:solidFill>
+                  <a:srgbClr val="000000"/>
+                </a:solidFill>
+                <a:effectLst/>
+              </a:rPr>
+              <a:t>Running loss calculated and displayed every 100 batches</a:t>
             </a:r>
           </a:p>
           <a:p>
@@ -2879,7 +3025,7 @@
     </p:spTree>
     <p:extLst>
       <p:ext uri="{BB962C8B-B14F-4D97-AF65-F5344CB8AC3E}">
-        <p14:creationId xmlns:p14="http://schemas.microsoft.com/office/powerpoint/2010/main" val="3049543816"/>
+        <p14:creationId xmlns:p14="http://schemas.microsoft.com/office/powerpoint/2010/main" val="2187925442"/>
       </p:ext>
     </p:extLst>
   </p:cSld>
@@ -2911,7 +3057,7 @@
           <p:cNvPr id="2" name="Title 1">
             <a:extLst>
               <a:ext uri="{FF2B5EF4-FFF2-40B4-BE49-F238E27FC236}">
-                <a16:creationId xmlns:a16="http://schemas.microsoft.com/office/drawing/2014/main" id="{4E9BEE11-5EDD-8978-2E08-A3B1BA470C89}"/>
+                <a16:creationId xmlns:a16="http://schemas.microsoft.com/office/drawing/2014/main" id="{5F1DE92F-D028-E4C1-D628-8BAC8543342C}"/>
               </a:ext>
             </a:extLst>
           </p:cNvPr>
@@ -2929,7 +3075,7 @@
           <a:p>
             <a:r>
               <a:rPr lang="en-DE" dirty="0"/>
-              <a:t>Results and Evaluation</a:t>
+              <a:t>Image Compression and Decompression</a:t>
             </a:r>
           </a:p>
         </p:txBody>
@@ -2939,7 +3085,7 @@
           <p:cNvPr id="3" name="Slide Number Placeholder 2">
             <a:extLst>
               <a:ext uri="{FF2B5EF4-FFF2-40B4-BE49-F238E27FC236}">
-                <a16:creationId xmlns:a16="http://schemas.microsoft.com/office/drawing/2014/main" id="{E7A5D78F-703E-BCBC-ED11-45DCF7C13ACD}"/>
+                <a16:creationId xmlns:a16="http://schemas.microsoft.com/office/drawing/2014/main" id="{9B9891AD-36EC-F19C-99FA-F4C8D50F32B6}"/>
               </a:ext>
             </a:extLst>
           </p:cNvPr>
@@ -2959,6 +3105,198 @@
               <a:rPr lang="de-DE" smtClean="0"/>
               <a:pPr/>
               <a:t>7</a:t>
+            </a:fld>
+            <a:endParaRPr lang="de-DE" dirty="0"/>
+          </a:p>
+        </p:txBody>
+      </p:sp>
+      <p:sp>
+        <p:nvSpPr>
+          <p:cNvPr id="4" name="Content Placeholder 3">
+            <a:extLst>
+              <a:ext uri="{FF2B5EF4-FFF2-40B4-BE49-F238E27FC236}">
+                <a16:creationId xmlns:a16="http://schemas.microsoft.com/office/drawing/2014/main" id="{D5C98296-0CFB-6B19-AC6A-C71B2BC3D99C}"/>
+              </a:ext>
+            </a:extLst>
+          </p:cNvPr>
+          <p:cNvSpPr>
+            <a:spLocks noGrp="1"/>
+          </p:cNvSpPr>
+          <p:nvPr>
+            <p:ph sz="quarter" idx="12"/>
+          </p:nvPr>
+        </p:nvSpPr>
+        <p:spPr/>
+        <p:txBody>
+          <a:bodyPr/>
+          <a:lstStyle/>
+          <a:p>
+            <a:r>
+              <a:rPr lang="en-GB" b="1" dirty="0"/>
+              <a:t>Compression:</a:t>
+            </a:r>
+          </a:p>
+          <a:p>
+            <a:pPr lvl="2">
+              <a:buFont typeface="System Font Regular"/>
+              <a:buChar char="-"/>
+            </a:pPr>
+            <a:r>
+              <a:rPr lang="en-GB" dirty="0"/>
+              <a:t>Transform the image using the convolutional layer</a:t>
+            </a:r>
+          </a:p>
+          <a:p>
+            <a:pPr lvl="2">
+              <a:buFont typeface="System Font Regular"/>
+              <a:buChar char="-"/>
+            </a:pPr>
+            <a:r>
+              <a:rPr lang="en-GB" dirty="0"/>
+              <a:t>Quantize the transformed image</a:t>
+            </a:r>
+          </a:p>
+          <a:p>
+            <a:pPr lvl="2">
+              <a:buFont typeface="System Font Regular"/>
+              <a:buChar char="-"/>
+            </a:pPr>
+            <a:r>
+              <a:rPr lang="en-GB" dirty="0"/>
+              <a:t>Convert to byte stream for storage</a:t>
+            </a:r>
+          </a:p>
+          <a:p>
+            <a:pPr lvl="2">
+              <a:buFont typeface="System Font Regular"/>
+              <a:buChar char="-"/>
+            </a:pPr>
+            <a:endParaRPr lang="en-GB" dirty="0"/>
+          </a:p>
+          <a:p>
+            <a:r>
+              <a:rPr lang="en-GB" b="1" dirty="0"/>
+              <a:t>Decompression:</a:t>
+            </a:r>
+          </a:p>
+          <a:p>
+            <a:pPr lvl="2">
+              <a:buFont typeface="System Font Regular"/>
+              <a:buChar char="-"/>
+            </a:pPr>
+            <a:r>
+              <a:rPr lang="en-GB" dirty="0"/>
+              <a:t>Reconstruct quantized image</a:t>
+            </a:r>
+          </a:p>
+          <a:p>
+            <a:pPr lvl="2">
+              <a:buFont typeface="System Font Regular"/>
+              <a:buChar char="-"/>
+            </a:pPr>
+            <a:r>
+              <a:rPr lang="en-GB" dirty="0"/>
+              <a:t>Dequantize </a:t>
+            </a:r>
+          </a:p>
+          <a:p>
+            <a:pPr lvl="2">
+              <a:buFont typeface="System Font Regular"/>
+              <a:buChar char="-"/>
+            </a:pPr>
+            <a:r>
+              <a:rPr lang="en-GB" dirty="0"/>
+              <a:t>transform convolution to recover the original image</a:t>
+            </a:r>
+          </a:p>
+          <a:p>
+            <a:endParaRPr lang="en-DE" dirty="0"/>
+          </a:p>
+        </p:txBody>
+      </p:sp>
+    </p:spTree>
+    <p:extLst>
+      <p:ext uri="{BB962C8B-B14F-4D97-AF65-F5344CB8AC3E}">
+        <p14:creationId xmlns:p14="http://schemas.microsoft.com/office/powerpoint/2010/main" val="3049543816"/>
+      </p:ext>
+    </p:extLst>
+  </p:cSld>
+  <p:clrMapOvr>
+    <a:masterClrMapping/>
+  </p:clrMapOvr>
+</p:sld>
+</file>
+
+<file path=ppt/slides/slide8.xml><?xml version="1.0" encoding="utf-8"?>
+<p:sld xmlns:a="http://schemas.openxmlformats.org/drawingml/2006/main" xmlns:r="http://schemas.openxmlformats.org/officeDocument/2006/relationships" xmlns:p="http://schemas.openxmlformats.org/presentationml/2006/main">
+  <p:cSld>
+    <p:spTree>
+      <p:nvGrpSpPr>
+        <p:cNvPr id="1" name=""/>
+        <p:cNvGrpSpPr/>
+        <p:nvPr/>
+      </p:nvGrpSpPr>
+      <p:grpSpPr>
+        <a:xfrm>
+          <a:off x="0" y="0"/>
+          <a:ext cx="0" cy="0"/>
+          <a:chOff x="0" y="0"/>
+          <a:chExt cx="0" cy="0"/>
+        </a:xfrm>
+      </p:grpSpPr>
+      <p:sp>
+        <p:nvSpPr>
+          <p:cNvPr id="2" name="Title 1">
+            <a:extLst>
+              <a:ext uri="{FF2B5EF4-FFF2-40B4-BE49-F238E27FC236}">
+                <a16:creationId xmlns:a16="http://schemas.microsoft.com/office/drawing/2014/main" id="{4E9BEE11-5EDD-8978-2E08-A3B1BA470C89}"/>
+              </a:ext>
+            </a:extLst>
+          </p:cNvPr>
+          <p:cNvSpPr>
+            <a:spLocks noGrp="1"/>
+          </p:cNvSpPr>
+          <p:nvPr>
+            <p:ph type="title"/>
+          </p:nvPr>
+        </p:nvSpPr>
+        <p:spPr/>
+        <p:txBody>
+          <a:bodyPr/>
+          <a:lstStyle/>
+          <a:p>
+            <a:r>
+              <a:rPr lang="en-DE" dirty="0"/>
+              <a:t>Results and Evaluation</a:t>
+            </a:r>
+          </a:p>
+        </p:txBody>
+      </p:sp>
+      <p:sp>
+        <p:nvSpPr>
+          <p:cNvPr id="3" name="Slide Number Placeholder 2">
+            <a:extLst>
+              <a:ext uri="{FF2B5EF4-FFF2-40B4-BE49-F238E27FC236}">
+                <a16:creationId xmlns:a16="http://schemas.microsoft.com/office/drawing/2014/main" id="{E7A5D78F-703E-BCBC-ED11-45DCF7C13ACD}"/>
+              </a:ext>
+            </a:extLst>
+          </p:cNvPr>
+          <p:cNvSpPr>
+            <a:spLocks noGrp="1"/>
+          </p:cNvSpPr>
+          <p:nvPr>
+            <p:ph type="sldNum" sz="quarter" idx="11"/>
+          </p:nvPr>
+        </p:nvSpPr>
+        <p:spPr/>
+        <p:txBody>
+          <a:bodyPr/>
+          <a:lstStyle/>
+          <a:p>
+            <a:fld id="{B6F15528-21DE-4FAA-801E-634DDDAF4B2B}" type="slidenum">
+              <a:rPr lang="de-DE" smtClean="0"/>
+              <a:pPr/>
+              <a:t>8</a:t>
             </a:fld>
             <a:endParaRPr lang="de-DE" dirty="0"/>
           </a:p>
@@ -3104,6 +3442,129 @@
     <p:extLst>
       <p:ext uri="{BB962C8B-B14F-4D97-AF65-F5344CB8AC3E}">
         <p14:creationId xmlns:p14="http://schemas.microsoft.com/office/powerpoint/2010/main" val="4066666326"/>
+      </p:ext>
+    </p:extLst>
+  </p:cSld>
+  <p:clrMapOvr>
+    <a:masterClrMapping/>
+  </p:clrMapOvr>
+</p:sld>
+</file>
+
+<file path=ppt/slides/slide9.xml><?xml version="1.0" encoding="utf-8"?>
+<p:sld xmlns:a="http://schemas.openxmlformats.org/drawingml/2006/main" xmlns:r="http://schemas.openxmlformats.org/officeDocument/2006/relationships" xmlns:p="http://schemas.openxmlformats.org/presentationml/2006/main">
+  <p:cSld>
+    <p:spTree>
+      <p:nvGrpSpPr>
+        <p:cNvPr id="1" name=""/>
+        <p:cNvGrpSpPr/>
+        <p:nvPr/>
+      </p:nvGrpSpPr>
+      <p:grpSpPr>
+        <a:xfrm>
+          <a:off x="0" y="0"/>
+          <a:ext cx="0" cy="0"/>
+          <a:chOff x="0" y="0"/>
+          <a:chExt cx="0" cy="0"/>
+        </a:xfrm>
+      </p:grpSpPr>
+      <p:sp>
+        <p:nvSpPr>
+          <p:cNvPr id="2" name="Title 1">
+            <a:extLst>
+              <a:ext uri="{FF2B5EF4-FFF2-40B4-BE49-F238E27FC236}">
+                <a16:creationId xmlns:a16="http://schemas.microsoft.com/office/drawing/2014/main" id="{C181FE29-F888-5CD6-59F4-D2BDDE82A417}"/>
+              </a:ext>
+            </a:extLst>
+          </p:cNvPr>
+          <p:cNvSpPr>
+            <a:spLocks noGrp="1"/>
+          </p:cNvSpPr>
+          <p:nvPr>
+            <p:ph type="title"/>
+          </p:nvPr>
+        </p:nvSpPr>
+        <p:spPr/>
+        <p:txBody>
+          <a:bodyPr/>
+          <a:lstStyle/>
+          <a:p>
+            <a:r>
+              <a:rPr lang="en-DE" dirty="0"/>
+              <a:t>Results using DCT</a:t>
+            </a:r>
+          </a:p>
+        </p:txBody>
+      </p:sp>
+      <p:sp>
+        <p:nvSpPr>
+          <p:cNvPr id="3" name="Slide Number Placeholder 2">
+            <a:extLst>
+              <a:ext uri="{FF2B5EF4-FFF2-40B4-BE49-F238E27FC236}">
+                <a16:creationId xmlns:a16="http://schemas.microsoft.com/office/drawing/2014/main" id="{18F6543A-6A6A-E746-F229-BECB023FFD21}"/>
+              </a:ext>
+            </a:extLst>
+          </p:cNvPr>
+          <p:cNvSpPr>
+            <a:spLocks noGrp="1"/>
+          </p:cNvSpPr>
+          <p:nvPr>
+            <p:ph type="sldNum" sz="quarter" idx="11"/>
+          </p:nvPr>
+        </p:nvSpPr>
+        <p:spPr/>
+        <p:txBody>
+          <a:bodyPr/>
+          <a:lstStyle/>
+          <a:p>
+            <a:fld id="{B6F15528-21DE-4FAA-801E-634DDDAF4B2B}" type="slidenum">
+              <a:rPr lang="de-DE" smtClean="0"/>
+              <a:pPr/>
+              <a:t>9</a:t>
+            </a:fld>
+            <a:endParaRPr lang="de-DE" dirty="0"/>
+          </a:p>
+        </p:txBody>
+      </p:sp>
+      <p:pic>
+        <p:nvPicPr>
+          <p:cNvPr id="6" name="Content Placeholder 5" descr="A collage of several sailboats&#10;&#10;Description automatically generated">
+            <a:extLst>
+              <a:ext uri="{FF2B5EF4-FFF2-40B4-BE49-F238E27FC236}">
+                <a16:creationId xmlns:a16="http://schemas.microsoft.com/office/drawing/2014/main" id="{2B8BB5D8-E3B9-4E24-4D4E-937314077403}"/>
+              </a:ext>
+            </a:extLst>
+          </p:cNvPr>
+          <p:cNvPicPr>
+            <a:picLocks noGrp="1" noChangeAspect="1"/>
+          </p:cNvPicPr>
+          <p:nvPr>
+            <p:ph sz="quarter" idx="12"/>
+          </p:nvPr>
+        </p:nvPicPr>
+        <p:blipFill>
+          <a:blip r:embed="rId2">
+            <a:extLst>
+              <a:ext uri="{28A0092B-C50C-407E-A947-70E740481C1C}">
+                <a14:useLocalDpi xmlns:a14="http://schemas.microsoft.com/office/drawing/2010/main" val="0"/>
+              </a:ext>
+            </a:extLst>
+          </a:blip>
+          <a:stretch>
+            <a:fillRect/>
+          </a:stretch>
+        </p:blipFill>
+        <p:spPr>
+          <a:xfrm>
+            <a:off x="1447800" y="717015"/>
+            <a:ext cx="5486400" cy="3534310"/>
+          </a:xfrm>
+        </p:spPr>
+      </p:pic>
+    </p:spTree>
+    <p:extLst>
+      <p:ext uri="{BB962C8B-B14F-4D97-AF65-F5344CB8AC3E}">
+        <p14:creationId xmlns:p14="http://schemas.microsoft.com/office/powerpoint/2010/main" val="3915718929"/>
       </p:ext>
     </p:extLst>
   </p:cSld>
